--- a/Gold_Layer/Modelos/modelos.pptx
+++ b/Gold_Layer/Modelos/modelos.pptx
@@ -260,7 +260,7 @@
           <a:p>
             <a:fld id="{D7AE739D-25D9-4BFF-B379-3AC93E277390}" type="datetimeFigureOut">
               <a:rPr lang="pt-BR" smtClean="0"/>
-              <a:t>06/04/2025</a:t>
+              <a:t>07/04/2025</a:t>
             </a:fld>
             <a:endParaRPr lang="pt-BR"/>
           </a:p>
@@ -458,7 +458,7 @@
           <a:p>
             <a:fld id="{D7AE739D-25D9-4BFF-B379-3AC93E277390}" type="datetimeFigureOut">
               <a:rPr lang="pt-BR" smtClean="0"/>
-              <a:t>06/04/2025</a:t>
+              <a:t>07/04/2025</a:t>
             </a:fld>
             <a:endParaRPr lang="pt-BR"/>
           </a:p>
@@ -666,7 +666,7 @@
           <a:p>
             <a:fld id="{D7AE739D-25D9-4BFF-B379-3AC93E277390}" type="datetimeFigureOut">
               <a:rPr lang="pt-BR" smtClean="0"/>
-              <a:t>06/04/2025</a:t>
+              <a:t>07/04/2025</a:t>
             </a:fld>
             <a:endParaRPr lang="pt-BR"/>
           </a:p>
@@ -864,7 +864,7 @@
           <a:p>
             <a:fld id="{D7AE739D-25D9-4BFF-B379-3AC93E277390}" type="datetimeFigureOut">
               <a:rPr lang="pt-BR" smtClean="0"/>
-              <a:t>06/04/2025</a:t>
+              <a:t>07/04/2025</a:t>
             </a:fld>
             <a:endParaRPr lang="pt-BR"/>
           </a:p>
@@ -1139,7 +1139,7 @@
           <a:p>
             <a:fld id="{D7AE739D-25D9-4BFF-B379-3AC93E277390}" type="datetimeFigureOut">
               <a:rPr lang="pt-BR" smtClean="0"/>
-              <a:t>06/04/2025</a:t>
+              <a:t>07/04/2025</a:t>
             </a:fld>
             <a:endParaRPr lang="pt-BR"/>
           </a:p>
@@ -1404,7 +1404,7 @@
           <a:p>
             <a:fld id="{D7AE739D-25D9-4BFF-B379-3AC93E277390}" type="datetimeFigureOut">
               <a:rPr lang="pt-BR" smtClean="0"/>
-              <a:t>06/04/2025</a:t>
+              <a:t>07/04/2025</a:t>
             </a:fld>
             <a:endParaRPr lang="pt-BR"/>
           </a:p>
@@ -1816,7 +1816,7 @@
           <a:p>
             <a:fld id="{D7AE739D-25D9-4BFF-B379-3AC93E277390}" type="datetimeFigureOut">
               <a:rPr lang="pt-BR" smtClean="0"/>
-              <a:t>06/04/2025</a:t>
+              <a:t>07/04/2025</a:t>
             </a:fld>
             <a:endParaRPr lang="pt-BR"/>
           </a:p>
@@ -1957,7 +1957,7 @@
           <a:p>
             <a:fld id="{D7AE739D-25D9-4BFF-B379-3AC93E277390}" type="datetimeFigureOut">
               <a:rPr lang="pt-BR" smtClean="0"/>
-              <a:t>06/04/2025</a:t>
+              <a:t>07/04/2025</a:t>
             </a:fld>
             <a:endParaRPr lang="pt-BR"/>
           </a:p>
@@ -2070,7 +2070,7 @@
           <a:p>
             <a:fld id="{D7AE739D-25D9-4BFF-B379-3AC93E277390}" type="datetimeFigureOut">
               <a:rPr lang="pt-BR" smtClean="0"/>
-              <a:t>06/04/2025</a:t>
+              <a:t>07/04/2025</a:t>
             </a:fld>
             <a:endParaRPr lang="pt-BR"/>
           </a:p>
@@ -2381,7 +2381,7 @@
           <a:p>
             <a:fld id="{D7AE739D-25D9-4BFF-B379-3AC93E277390}" type="datetimeFigureOut">
               <a:rPr lang="pt-BR" smtClean="0"/>
-              <a:t>06/04/2025</a:t>
+              <a:t>07/04/2025</a:t>
             </a:fld>
             <a:endParaRPr lang="pt-BR"/>
           </a:p>
@@ -2669,7 +2669,7 @@
           <a:p>
             <a:fld id="{D7AE739D-25D9-4BFF-B379-3AC93E277390}" type="datetimeFigureOut">
               <a:rPr lang="pt-BR" smtClean="0"/>
-              <a:t>06/04/2025</a:t>
+              <a:t>07/04/2025</a:t>
             </a:fld>
             <a:endParaRPr lang="pt-BR"/>
           </a:p>
@@ -2910,7 +2910,7 @@
           <a:p>
             <a:fld id="{D7AE739D-25D9-4BFF-B379-3AC93E277390}" type="datetimeFigureOut">
               <a:rPr lang="pt-BR" smtClean="0"/>
-              <a:t>06/04/2025</a:t>
+              <a:t>07/04/2025</a:t>
             </a:fld>
             <a:endParaRPr lang="pt-BR"/>
           </a:p>
@@ -4073,10 +4073,10 @@
       </p:sp>
       <p:sp>
         <p:nvSpPr>
-          <p:cNvPr id="9" name="Retângulo: Cantos Arredondados 8">
-            <a:extLst>
-              <a:ext uri="{FF2B5EF4-FFF2-40B4-BE49-F238E27FC236}">
-                <a16:creationId xmlns:a16="http://schemas.microsoft.com/office/drawing/2014/main" id="{E4BAD5BA-8736-A4E4-7B0E-6EBE93F6AA6C}"/>
+          <p:cNvPr id="11" name="Retângulo: Cantos Arredondados 10">
+            <a:extLst>
+              <a:ext uri="{FF2B5EF4-FFF2-40B4-BE49-F238E27FC236}">
+                <a16:creationId xmlns:a16="http://schemas.microsoft.com/office/drawing/2014/main" id="{C607ED73-ED3E-9033-7AD1-3F7FC4CA1857}"/>
               </a:ext>
             </a:extLst>
           </p:cNvPr>
@@ -4085,120 +4085,8 @@
         </p:nvSpPr>
         <p:spPr>
           <a:xfrm>
-            <a:off x="37817" y="711478"/>
-            <a:ext cx="3898080" cy="1061884"/>
-          </a:xfrm>
-          <a:prstGeom prst="roundRect">
-            <a:avLst>
-              <a:gd name="adj" fmla="val 13889"/>
-            </a:avLst>
-          </a:prstGeom>
-          <a:solidFill>
-            <a:srgbClr val="001B43"/>
-          </a:solidFill>
-          <a:ln>
-            <a:solidFill>
-              <a:srgbClr val="001B43"/>
-            </a:solidFill>
-          </a:ln>
-        </p:spPr>
-        <p:style>
-          <a:lnRef idx="2">
-            <a:schemeClr val="accent1">
-              <a:shade val="15000"/>
-            </a:schemeClr>
-          </a:lnRef>
-          <a:fillRef idx="1">
-            <a:schemeClr val="accent1"/>
-          </a:fillRef>
-          <a:effectRef idx="0">
-            <a:schemeClr val="accent1"/>
-          </a:effectRef>
-          <a:fontRef idx="minor">
-            <a:schemeClr val="lt1"/>
-          </a:fontRef>
-        </p:style>
-        <p:txBody>
-          <a:bodyPr rtlCol="0" anchor="ctr"/>
-          <a:lstStyle/>
-          <a:p>
-            <a:pPr algn="ctr"/>
-            <a:endParaRPr lang="pt-BR"/>
-          </a:p>
-        </p:txBody>
-      </p:sp>
-      <p:sp>
-        <p:nvSpPr>
-          <p:cNvPr id="10" name="Retângulo: Cantos Arredondados 9">
-            <a:extLst>
-              <a:ext uri="{FF2B5EF4-FFF2-40B4-BE49-F238E27FC236}">
-                <a16:creationId xmlns:a16="http://schemas.microsoft.com/office/drawing/2014/main" id="{96D9A3AF-3CBA-7A87-7A2D-3ACFDA2F6AC1}"/>
-              </a:ext>
-            </a:extLst>
-          </p:cNvPr>
-          <p:cNvSpPr/>
-          <p:nvPr/>
-        </p:nvSpPr>
-        <p:spPr>
-          <a:xfrm>
-            <a:off x="4068417" y="711478"/>
-            <a:ext cx="4041913" cy="1061884"/>
-          </a:xfrm>
-          <a:prstGeom prst="roundRect">
-            <a:avLst>
-              <a:gd name="adj" fmla="val 13889"/>
-            </a:avLst>
-          </a:prstGeom>
-          <a:solidFill>
-            <a:srgbClr val="001B43"/>
-          </a:solidFill>
-          <a:ln>
-            <a:solidFill>
-              <a:srgbClr val="001B43"/>
-            </a:solidFill>
-          </a:ln>
-        </p:spPr>
-        <p:style>
-          <a:lnRef idx="2">
-            <a:schemeClr val="accent1">
-              <a:shade val="15000"/>
-            </a:schemeClr>
-          </a:lnRef>
-          <a:fillRef idx="1">
-            <a:schemeClr val="accent1"/>
-          </a:fillRef>
-          <a:effectRef idx="0">
-            <a:schemeClr val="accent1"/>
-          </a:effectRef>
-          <a:fontRef idx="minor">
-            <a:schemeClr val="lt1"/>
-          </a:fontRef>
-        </p:style>
-        <p:txBody>
-          <a:bodyPr rtlCol="0" anchor="ctr"/>
-          <a:lstStyle/>
-          <a:p>
-            <a:pPr algn="ctr"/>
-            <a:endParaRPr lang="pt-BR"/>
-          </a:p>
-        </p:txBody>
-      </p:sp>
-      <p:sp>
-        <p:nvSpPr>
-          <p:cNvPr id="11" name="Retângulo: Cantos Arredondados 10">
-            <a:extLst>
-              <a:ext uri="{FF2B5EF4-FFF2-40B4-BE49-F238E27FC236}">
-                <a16:creationId xmlns:a16="http://schemas.microsoft.com/office/drawing/2014/main" id="{C607ED73-ED3E-9033-7AD1-3F7FC4CA1857}"/>
-              </a:ext>
-            </a:extLst>
-          </p:cNvPr>
-          <p:cNvSpPr/>
-          <p:nvPr/>
-        </p:nvSpPr>
-        <p:spPr>
-          <a:xfrm>
-            <a:off x="37815" y="1888751"/>
-            <a:ext cx="8072515" cy="2389808"/>
+            <a:off x="47270" y="804003"/>
+            <a:ext cx="4111775" cy="2964425"/>
           </a:xfrm>
           <a:prstGeom prst="roundRect">
             <a:avLst>
@@ -4241,10 +4129,10 @@
       </p:sp>
       <p:sp>
         <p:nvSpPr>
-          <p:cNvPr id="12" name="Retângulo: Cantos Arredondados 11">
-            <a:extLst>
-              <a:ext uri="{FF2B5EF4-FFF2-40B4-BE49-F238E27FC236}">
-                <a16:creationId xmlns:a16="http://schemas.microsoft.com/office/drawing/2014/main" id="{8CE5E657-898F-683E-736A-2A0256B9D500}"/>
+          <p:cNvPr id="2" name="Retângulo: Cantos Arredondados 1">
+            <a:extLst>
+              <a:ext uri="{FF2B5EF4-FFF2-40B4-BE49-F238E27FC236}">
+                <a16:creationId xmlns:a16="http://schemas.microsoft.com/office/drawing/2014/main" id="{DD924C7D-62A1-C8AA-3B03-053F877628C0}"/>
               </a:ext>
             </a:extLst>
           </p:cNvPr>
@@ -4253,134 +4141,8 @@
         </p:nvSpPr>
         <p:spPr>
           <a:xfrm>
-            <a:off x="8222004" y="4368800"/>
-            <a:ext cx="3898080" cy="2389808"/>
-          </a:xfrm>
-          <a:prstGeom prst="roundRect">
-            <a:avLst>
-              <a:gd name="adj" fmla="val 4365"/>
-            </a:avLst>
-          </a:prstGeom>
-          <a:solidFill>
-            <a:schemeClr val="bg1"/>
-          </a:solidFill>
-          <a:ln>
-            <a:noFill/>
-          </a:ln>
-        </p:spPr>
-        <p:style>
-          <a:lnRef idx="2">
-            <a:schemeClr val="accent1">
-              <a:shade val="15000"/>
-            </a:schemeClr>
-          </a:lnRef>
-          <a:fillRef idx="1">
-            <a:schemeClr val="accent1"/>
-          </a:fillRef>
-          <a:effectRef idx="0">
-            <a:schemeClr val="accent1"/>
-          </a:effectRef>
-          <a:fontRef idx="minor">
-            <a:schemeClr val="lt1"/>
-          </a:fontRef>
-        </p:style>
-        <p:txBody>
-          <a:bodyPr rtlCol="0" anchor="ctr"/>
-          <a:lstStyle/>
-          <a:p>
-            <a:pPr algn="ctr"/>
-            <a:endParaRPr lang="pt-BR"/>
-          </a:p>
-        </p:txBody>
-      </p:sp>
-      <p:pic>
-        <p:nvPicPr>
-          <p:cNvPr id="14" name="Gráfico 13" descr="Navio de cruzeiro com preenchimento sólido">
-            <a:extLst>
-              <a:ext uri="{FF2B5EF4-FFF2-40B4-BE49-F238E27FC236}">
-                <a16:creationId xmlns:a16="http://schemas.microsoft.com/office/drawing/2014/main" id="{23E545E8-4F71-3CBB-33BA-45FF1C7DA0BB}"/>
-              </a:ext>
-            </a:extLst>
-          </p:cNvPr>
-          <p:cNvPicPr>
-            <a:picLocks noChangeAspect="1"/>
-          </p:cNvPicPr>
-          <p:nvPr/>
-        </p:nvPicPr>
-        <p:blipFill>
-          <a:blip r:embed="rId2">
-            <a:extLst>
-              <a:ext uri="{96DAC541-7B7A-43D3-8B79-37D633B846F1}">
-                <asvg:svgBlip xmlns:asvg="http://schemas.microsoft.com/office/drawing/2016/SVG/main" r:embed="rId3"/>
-              </a:ext>
-            </a:extLst>
-          </a:blip>
-          <a:stretch>
-            <a:fillRect/>
-          </a:stretch>
-        </p:blipFill>
-        <p:spPr>
-          <a:xfrm>
-            <a:off x="178905" y="785220"/>
-            <a:ext cx="457200" cy="457200"/>
-          </a:xfrm>
-          <a:prstGeom prst="rect">
-            <a:avLst/>
-          </a:prstGeom>
-        </p:spPr>
-      </p:pic>
-      <p:pic>
-        <p:nvPicPr>
-          <p:cNvPr id="16" name="Gráfico 15" descr="Caixa com preenchimento sólido">
-            <a:extLst>
-              <a:ext uri="{FF2B5EF4-FFF2-40B4-BE49-F238E27FC236}">
-                <a16:creationId xmlns:a16="http://schemas.microsoft.com/office/drawing/2014/main" id="{D845DCA8-2186-DED9-5895-2E33692F99DC}"/>
-              </a:ext>
-            </a:extLst>
-          </p:cNvPr>
-          <p:cNvPicPr>
-            <a:picLocks noChangeAspect="1"/>
-          </p:cNvPicPr>
-          <p:nvPr/>
-        </p:nvPicPr>
-        <p:blipFill>
-          <a:blip r:embed="rId4">
-            <a:extLst>
-              <a:ext uri="{96DAC541-7B7A-43D3-8B79-37D633B846F1}">
-                <asvg:svgBlip xmlns:asvg="http://schemas.microsoft.com/office/drawing/2016/SVG/main" r:embed="rId5"/>
-              </a:ext>
-            </a:extLst>
-          </a:blip>
-          <a:stretch>
-            <a:fillRect/>
-          </a:stretch>
-        </p:blipFill>
-        <p:spPr>
-          <a:xfrm>
-            <a:off x="4146061" y="785220"/>
-            <a:ext cx="402493" cy="402493"/>
-          </a:xfrm>
-          <a:prstGeom prst="rect">
-            <a:avLst/>
-          </a:prstGeom>
-        </p:spPr>
-      </p:pic>
-      <p:sp>
-        <p:nvSpPr>
-          <p:cNvPr id="19" name="Retângulo: Cantos Arredondados 18">
-            <a:extLst>
-              <a:ext uri="{FF2B5EF4-FFF2-40B4-BE49-F238E27FC236}">
-                <a16:creationId xmlns:a16="http://schemas.microsoft.com/office/drawing/2014/main" id="{530EB30C-4957-4936-94EA-750877F8045A}"/>
-              </a:ext>
-            </a:extLst>
-          </p:cNvPr>
-          <p:cNvSpPr/>
-          <p:nvPr/>
-        </p:nvSpPr>
-        <p:spPr>
-          <a:xfrm>
-            <a:off x="47270" y="4368801"/>
-            <a:ext cx="8072515" cy="2389808"/>
+            <a:off x="47270" y="3814916"/>
+            <a:ext cx="5967362" cy="2964425"/>
           </a:xfrm>
           <a:prstGeom prst="roundRect">
             <a:avLst>
@@ -4423,10 +4185,10 @@
       </p:sp>
       <p:sp>
         <p:nvSpPr>
-          <p:cNvPr id="20" name="Retângulo: Cantos Arredondados 19">
-            <a:extLst>
-              <a:ext uri="{FF2B5EF4-FFF2-40B4-BE49-F238E27FC236}">
-                <a16:creationId xmlns:a16="http://schemas.microsoft.com/office/drawing/2014/main" id="{552CF629-5D90-C6C9-A630-CCF5D8E93865}"/>
+          <p:cNvPr id="3" name="Retângulo: Cantos Arredondados 2">
+            <a:extLst>
+              <a:ext uri="{FF2B5EF4-FFF2-40B4-BE49-F238E27FC236}">
+                <a16:creationId xmlns:a16="http://schemas.microsoft.com/office/drawing/2014/main" id="{70A84D75-6C14-12EF-4ED0-066E3962F2BC}"/>
               </a:ext>
             </a:extLst>
           </p:cNvPr>
@@ -4435,8 +4197,8 @@
         </p:nvSpPr>
         <p:spPr>
           <a:xfrm>
-            <a:off x="8202125" y="1879600"/>
-            <a:ext cx="3898080" cy="2389808"/>
+            <a:off x="4206315" y="812537"/>
+            <a:ext cx="7938415" cy="2964425"/>
           </a:xfrm>
           <a:prstGeom prst="roundRect">
             <a:avLst>
@@ -4444,10 +4206,68 @@
             </a:avLst>
           </a:prstGeom>
           <a:solidFill>
-            <a:schemeClr val="bg1"/>
+            <a:srgbClr val="001B43"/>
           </a:solidFill>
           <a:ln>
-            <a:noFill/>
+            <a:solidFill>
+              <a:srgbClr val="001B43"/>
+            </a:solidFill>
+          </a:ln>
+        </p:spPr>
+        <p:style>
+          <a:lnRef idx="2">
+            <a:schemeClr val="accent1">
+              <a:shade val="15000"/>
+            </a:schemeClr>
+          </a:lnRef>
+          <a:fillRef idx="1">
+            <a:schemeClr val="accent1"/>
+          </a:fillRef>
+          <a:effectRef idx="0">
+            <a:schemeClr val="accent1"/>
+          </a:effectRef>
+          <a:fontRef idx="minor">
+            <a:schemeClr val="lt1"/>
+          </a:fontRef>
+        </p:style>
+        <p:txBody>
+          <a:bodyPr rtlCol="0" anchor="ctr"/>
+          <a:lstStyle/>
+          <a:p>
+            <a:pPr algn="ctr"/>
+            <a:endParaRPr lang="pt-BR"/>
+          </a:p>
+        </p:txBody>
+      </p:sp>
+      <p:sp>
+        <p:nvSpPr>
+          <p:cNvPr id="8" name="Retângulo: Cantos Arredondados 7">
+            <a:extLst>
+              <a:ext uri="{FF2B5EF4-FFF2-40B4-BE49-F238E27FC236}">
+                <a16:creationId xmlns:a16="http://schemas.microsoft.com/office/drawing/2014/main" id="{9741705B-3923-FB2F-E323-D337542CF96A}"/>
+              </a:ext>
+            </a:extLst>
+          </p:cNvPr>
+          <p:cNvSpPr/>
+          <p:nvPr/>
+        </p:nvSpPr>
+        <p:spPr>
+          <a:xfrm>
+            <a:off x="6095999" y="3814915"/>
+            <a:ext cx="6031681" cy="2964425"/>
+          </a:xfrm>
+          <a:prstGeom prst="roundRect">
+            <a:avLst>
+              <a:gd name="adj" fmla="val 4365"/>
+            </a:avLst>
+          </a:prstGeom>
+          <a:solidFill>
+            <a:srgbClr val="001B43"/>
+          </a:solidFill>
+          <a:ln>
+            <a:solidFill>
+              <a:srgbClr val="001B43"/>
+            </a:solidFill>
           </a:ln>
         </p:spPr>
         <p:style>
